--- a/doc/CodeZilla - Slides.pptx
+++ b/doc/CodeZilla - Slides.pptx
@@ -26668,7 +26668,7 @@
           <a:p>
             <a:r>
               <a:rPr lang="en-US" dirty="0"/>
-              <a:t>ASSIGN 	::= ID = EXPSET | ID = STRING</a:t>
+              <a:t>ASSIGN 	::= ID = EXPSET | ID = STRING | ID = BOOL</a:t>
             </a:r>
           </a:p>
           <a:p>
